--- a/diagrams/textual_challenge_voice_response_results.pptx
+++ b/diagrams/textual_challenge_voice_response_results.pptx
@@ -3326,706 +3326,686 @@
           <a:chExt cx="0" cy="0"/>
         </a:xfrm>
       </p:grpSpPr>
-      <p:pic>
-        <p:nvPicPr>
-          <p:cNvPr id="5" name="Picture 4" descr="A close up of a device&#10;&#10;Description automatically generated">
-            <a:extLst>
-              <a:ext uri="{FF2B5EF4-FFF2-40B4-BE49-F238E27FC236}">
-                <a16:creationId xmlns:a16="http://schemas.microsoft.com/office/drawing/2014/main" id="{059E0D0A-3993-444E-9D3F-36CF430D2E94}"/>
-              </a:ext>
-            </a:extLst>
-          </p:cNvPr>
-          <p:cNvPicPr>
-            <a:picLocks noChangeAspect="1"/>
-          </p:cNvPicPr>
+      <p:grpSp>
+        <p:nvGrpSpPr>
+          <p:cNvPr id="3" name="Group 2">
+            <a:extLst>
+              <a:ext uri="{FF2B5EF4-FFF2-40B4-BE49-F238E27FC236}">
+                <a16:creationId xmlns:a16="http://schemas.microsoft.com/office/drawing/2014/main" id="{63A16432-E74A-4CA9-8141-36362A970313}"/>
+              </a:ext>
+            </a:extLst>
+          </p:cNvPr>
+          <p:cNvGrpSpPr/>
           <p:nvPr/>
-        </p:nvPicPr>
-        <p:blipFill>
-          <a:blip r:embed="rId2">
-            <a:extLst>
-              <a:ext uri="{28A0092B-C50C-407E-A947-70E740481C1C}">
-                <a14:useLocalDpi xmlns:a14="http://schemas.microsoft.com/office/drawing/2010/main" val="0"/>
-              </a:ext>
-            </a:extLst>
-          </a:blip>
-          <a:stretch>
-            <a:fillRect/>
-          </a:stretch>
-        </p:blipFill>
-        <p:spPr>
+        </p:nvGrpSpPr>
+        <p:grpSpPr>
           <a:xfrm>
-            <a:off x="398418" y="2011935"/>
-            <a:ext cx="1772152" cy="3165289"/>
+            <a:off x="316089" y="160019"/>
+            <a:ext cx="11446730" cy="6537962"/>
+            <a:chOff x="316089" y="160019"/>
+            <a:chExt cx="11446730" cy="6537962"/>
           </a:xfrm>
-          <a:prstGeom prst="rect">
-            <a:avLst/>
-          </a:prstGeom>
-        </p:spPr>
-      </p:pic>
-      <p:pic>
-        <p:nvPicPr>
-          <p:cNvPr id="7" name="Picture 6" descr="A close up of a device&#10;&#10;Description automatically generated">
-            <a:extLst>
-              <a:ext uri="{FF2B5EF4-FFF2-40B4-BE49-F238E27FC236}">
-                <a16:creationId xmlns:a16="http://schemas.microsoft.com/office/drawing/2014/main" id="{DA14938B-5ED7-463E-9C43-BEBE99B29A21}"/>
-              </a:ext>
-            </a:extLst>
-          </p:cNvPr>
-          <p:cNvPicPr>
-            <a:picLocks noChangeAspect="1"/>
-          </p:cNvPicPr>
-          <p:nvPr/>
-        </p:nvPicPr>
-        <p:blipFill>
-          <a:blip r:embed="rId3">
-            <a:extLst>
-              <a:ext uri="{28A0092B-C50C-407E-A947-70E740481C1C}">
-                <a14:useLocalDpi xmlns:a14="http://schemas.microsoft.com/office/drawing/2010/main" val="0"/>
-              </a:ext>
-            </a:extLst>
-          </a:blip>
-          <a:stretch>
-            <a:fillRect/>
-          </a:stretch>
-        </p:blipFill>
-        <p:spPr>
-          <a:xfrm>
-            <a:off x="3771476" y="2011935"/>
-            <a:ext cx="1772152" cy="3165289"/>
-          </a:xfrm>
-          <a:prstGeom prst="rect">
-            <a:avLst/>
-          </a:prstGeom>
-        </p:spPr>
-      </p:pic>
-      <p:pic>
-        <p:nvPicPr>
-          <p:cNvPr id="9" name="Picture 8" descr="A screenshot of a cell phone&#10;&#10;Description automatically generated">
-            <a:extLst>
-              <a:ext uri="{FF2B5EF4-FFF2-40B4-BE49-F238E27FC236}">
-                <a16:creationId xmlns:a16="http://schemas.microsoft.com/office/drawing/2014/main" id="{4FD37FEC-9939-4161-B4C0-84A476573D14}"/>
-              </a:ext>
-            </a:extLst>
-          </p:cNvPr>
-          <p:cNvPicPr>
-            <a:picLocks noChangeAspect="1"/>
-          </p:cNvPicPr>
-          <p:nvPr/>
-        </p:nvPicPr>
-        <p:blipFill>
-          <a:blip r:embed="rId4">
-            <a:extLst>
-              <a:ext uri="{28A0092B-C50C-407E-A947-70E740481C1C}">
-                <a14:useLocalDpi xmlns:a14="http://schemas.microsoft.com/office/drawing/2010/main" val="0"/>
-              </a:ext>
-            </a:extLst>
-          </a:blip>
-          <a:stretch>
-            <a:fillRect/>
-          </a:stretch>
-        </p:blipFill>
-        <p:spPr>
-          <a:xfrm>
-            <a:off x="7003343" y="1938026"/>
-            <a:ext cx="1772152" cy="3165289"/>
-          </a:xfrm>
-          <a:prstGeom prst="rect">
-            <a:avLst/>
-          </a:prstGeom>
-        </p:spPr>
-      </p:pic>
-      <p:pic>
-        <p:nvPicPr>
-          <p:cNvPr id="11" name="Picture 10" descr="A screenshot of a cell phone&#10;&#10;Description automatically generated">
-            <a:extLst>
-              <a:ext uri="{FF2B5EF4-FFF2-40B4-BE49-F238E27FC236}">
-                <a16:creationId xmlns:a16="http://schemas.microsoft.com/office/drawing/2014/main" id="{B6C7F843-815C-4E58-8FC6-7CA023CAA7E8}"/>
-              </a:ext>
-            </a:extLst>
-          </p:cNvPr>
-          <p:cNvPicPr>
-            <a:picLocks noChangeAspect="1"/>
-          </p:cNvPicPr>
-          <p:nvPr/>
-        </p:nvPicPr>
-        <p:blipFill>
-          <a:blip r:embed="rId5">
-            <a:extLst>
-              <a:ext uri="{28A0092B-C50C-407E-A947-70E740481C1C}">
-                <a14:useLocalDpi xmlns:a14="http://schemas.microsoft.com/office/drawing/2010/main" val="0"/>
-              </a:ext>
-            </a:extLst>
-          </a:blip>
-          <a:stretch>
-            <a:fillRect/>
-          </a:stretch>
-        </p:blipFill>
-        <p:spPr>
-          <a:xfrm>
-            <a:off x="9990667" y="160019"/>
-            <a:ext cx="1772152" cy="3165289"/>
-          </a:xfrm>
-          <a:prstGeom prst="rect">
-            <a:avLst/>
-          </a:prstGeom>
-        </p:spPr>
-      </p:pic>
-      <p:pic>
-        <p:nvPicPr>
-          <p:cNvPr id="13" name="Picture 12" descr="A screenshot of a cell phone&#10;&#10;Description automatically generated">
-            <a:extLst>
-              <a:ext uri="{FF2B5EF4-FFF2-40B4-BE49-F238E27FC236}">
-                <a16:creationId xmlns:a16="http://schemas.microsoft.com/office/drawing/2014/main" id="{C86ECB86-3542-43AB-8499-4E0601220BE1}"/>
-              </a:ext>
-            </a:extLst>
-          </p:cNvPr>
-          <p:cNvPicPr>
-            <a:picLocks noChangeAspect="1"/>
-          </p:cNvPicPr>
-          <p:nvPr/>
-        </p:nvPicPr>
-        <p:blipFill>
-          <a:blip r:embed="rId6">
-            <a:extLst>
-              <a:ext uri="{28A0092B-C50C-407E-A947-70E740481C1C}">
-                <a14:useLocalDpi xmlns:a14="http://schemas.microsoft.com/office/drawing/2010/main" val="0"/>
-              </a:ext>
-            </a:extLst>
-          </a:blip>
-          <a:stretch>
-            <a:fillRect/>
-          </a:stretch>
-        </p:blipFill>
-        <p:spPr>
-          <a:xfrm>
-            <a:off x="9990667" y="3532692"/>
-            <a:ext cx="1772152" cy="3165289"/>
-          </a:xfrm>
-          <a:prstGeom prst="rect">
-            <a:avLst/>
-          </a:prstGeom>
-        </p:spPr>
-      </p:pic>
-      <p:cxnSp>
-        <p:nvCxnSpPr>
-          <p:cNvPr id="15" name="Straight Arrow Connector 14">
-            <a:extLst>
-              <a:ext uri="{FF2B5EF4-FFF2-40B4-BE49-F238E27FC236}">
-                <a16:creationId xmlns:a16="http://schemas.microsoft.com/office/drawing/2014/main" id="{F375FEB4-F4AA-4A21-A0CF-73D87C31FEC7}"/>
-              </a:ext>
-            </a:extLst>
-          </p:cNvPr>
-          <p:cNvCxnSpPr>
-            <a:cxnSpLocks/>
-          </p:cNvCxnSpPr>
-          <p:nvPr/>
-        </p:nvCxnSpPr>
-        <p:spPr>
-          <a:xfrm>
-            <a:off x="2370667" y="3594579"/>
-            <a:ext cx="1185333" cy="0"/>
-          </a:xfrm>
-          <a:prstGeom prst="straightConnector1">
-            <a:avLst/>
-          </a:prstGeom>
-          <a:ln w="38100">
-            <a:tailEnd type="triangle"/>
-          </a:ln>
-        </p:spPr>
-        <p:style>
-          <a:lnRef idx="1">
-            <a:schemeClr val="accent1"/>
-          </a:lnRef>
-          <a:fillRef idx="0">
-            <a:schemeClr val="accent1"/>
-          </a:fillRef>
-          <a:effectRef idx="0">
-            <a:schemeClr val="accent1"/>
-          </a:effectRef>
-          <a:fontRef idx="minor">
-            <a:schemeClr val="tx1"/>
-          </a:fontRef>
-        </p:style>
-      </p:cxnSp>
-      <p:cxnSp>
-        <p:nvCxnSpPr>
-          <p:cNvPr id="17" name="Straight Arrow Connector 16">
-            <a:extLst>
-              <a:ext uri="{FF2B5EF4-FFF2-40B4-BE49-F238E27FC236}">
-                <a16:creationId xmlns:a16="http://schemas.microsoft.com/office/drawing/2014/main" id="{BE610920-3EA5-415F-8584-1C61ED17D2CB}"/>
-              </a:ext>
-            </a:extLst>
-          </p:cNvPr>
-          <p:cNvCxnSpPr>
-            <a:cxnSpLocks/>
-          </p:cNvCxnSpPr>
-          <p:nvPr/>
-        </p:nvCxnSpPr>
-        <p:spPr>
-          <a:xfrm>
-            <a:off x="5682543" y="3520670"/>
-            <a:ext cx="1185333" cy="0"/>
-          </a:xfrm>
-          <a:prstGeom prst="straightConnector1">
-            <a:avLst/>
-          </a:prstGeom>
-          <a:ln w="38100">
-            <a:tailEnd type="triangle"/>
-          </a:ln>
-        </p:spPr>
-        <p:style>
-          <a:lnRef idx="1">
-            <a:schemeClr val="accent1"/>
-          </a:lnRef>
-          <a:fillRef idx="0">
-            <a:schemeClr val="accent1"/>
-          </a:fillRef>
-          <a:effectRef idx="0">
-            <a:schemeClr val="accent1"/>
-          </a:effectRef>
-          <a:fontRef idx="minor">
-            <a:schemeClr val="tx1"/>
-          </a:fontRef>
-        </p:style>
-      </p:cxnSp>
-      <p:cxnSp>
-        <p:nvCxnSpPr>
-          <p:cNvPr id="18" name="Straight Arrow Connector 17">
-            <a:extLst>
-              <a:ext uri="{FF2B5EF4-FFF2-40B4-BE49-F238E27FC236}">
-                <a16:creationId xmlns:a16="http://schemas.microsoft.com/office/drawing/2014/main" id="{D73E2C6F-9BE7-43C9-9C3E-5CCD45D164A0}"/>
-              </a:ext>
-            </a:extLst>
-          </p:cNvPr>
-          <p:cNvCxnSpPr>
-            <a:cxnSpLocks/>
-          </p:cNvCxnSpPr>
-          <p:nvPr/>
-        </p:nvCxnSpPr>
-        <p:spPr>
-          <a:xfrm flipV="1">
-            <a:off x="8820854" y="2517422"/>
-            <a:ext cx="989190" cy="823356"/>
-          </a:xfrm>
-          <a:prstGeom prst="straightConnector1">
-            <a:avLst/>
-          </a:prstGeom>
-          <a:ln w="38100">
-            <a:tailEnd type="triangle"/>
-          </a:ln>
-        </p:spPr>
-        <p:style>
-          <a:lnRef idx="1">
-            <a:schemeClr val="accent1"/>
-          </a:lnRef>
-          <a:fillRef idx="0">
-            <a:schemeClr val="accent1"/>
-          </a:fillRef>
-          <a:effectRef idx="0">
-            <a:schemeClr val="accent1"/>
-          </a:effectRef>
-          <a:fontRef idx="minor">
-            <a:schemeClr val="tx1"/>
-          </a:fontRef>
-        </p:style>
-      </p:cxnSp>
-      <p:cxnSp>
-        <p:nvCxnSpPr>
-          <p:cNvPr id="19" name="Straight Arrow Connector 18">
-            <a:extLst>
-              <a:ext uri="{FF2B5EF4-FFF2-40B4-BE49-F238E27FC236}">
-                <a16:creationId xmlns:a16="http://schemas.microsoft.com/office/drawing/2014/main" id="{20E21044-5644-4AC0-A960-FCE8854B314F}"/>
-              </a:ext>
-            </a:extLst>
-          </p:cNvPr>
-          <p:cNvCxnSpPr>
-            <a:cxnSpLocks/>
-          </p:cNvCxnSpPr>
-          <p:nvPr/>
-        </p:nvCxnSpPr>
-        <p:spPr>
-          <a:xfrm>
-            <a:off x="8805334" y="3594579"/>
-            <a:ext cx="1004710" cy="774221"/>
-          </a:xfrm>
-          <a:prstGeom prst="straightConnector1">
-            <a:avLst/>
-          </a:prstGeom>
-          <a:ln w="38100">
-            <a:tailEnd type="triangle"/>
-          </a:ln>
-        </p:spPr>
-        <p:style>
-          <a:lnRef idx="1">
-            <a:schemeClr val="accent1"/>
-          </a:lnRef>
-          <a:fillRef idx="0">
-            <a:schemeClr val="accent1"/>
-          </a:fillRef>
-          <a:effectRef idx="0">
-            <a:schemeClr val="accent1"/>
-          </a:effectRef>
-          <a:fontRef idx="minor">
-            <a:schemeClr val="tx1"/>
-          </a:fontRef>
-        </p:style>
-      </p:cxnSp>
-      <p:sp>
-        <p:nvSpPr>
-          <p:cNvPr id="22" name="TextBox 21">
-            <a:extLst>
-              <a:ext uri="{FF2B5EF4-FFF2-40B4-BE49-F238E27FC236}">
-                <a16:creationId xmlns:a16="http://schemas.microsoft.com/office/drawing/2014/main" id="{9EA80762-DC19-40DC-8441-953B7425C264}"/>
-              </a:ext>
-            </a:extLst>
-          </p:cNvPr>
-          <p:cNvSpPr txBox="1"/>
-          <p:nvPr/>
-        </p:nvSpPr>
-        <p:spPr>
-          <a:xfrm>
-            <a:off x="316089" y="5475607"/>
-            <a:ext cx="2054578" cy="923330"/>
-          </a:xfrm>
-          <a:prstGeom prst="rect">
-            <a:avLst/>
-          </a:prstGeom>
-          <a:noFill/>
-        </p:spPr>
-        <p:txBody>
-          <a:bodyPr wrap="square" rtlCol="0">
-            <a:spAutoFit/>
-          </a:bodyPr>
-          <a:lstStyle/>
-          <a:p>
-            <a:pPr algn="ctr"/>
-            <a:r>
-              <a:rPr lang="en-US" dirty="0"/>
-              <a:t>Press Microphone Button to begin recording response</a:t>
-            </a:r>
-          </a:p>
-        </p:txBody>
-      </p:sp>
-      <p:sp>
-        <p:nvSpPr>
-          <p:cNvPr id="23" name="TextBox 22">
-            <a:extLst>
-              <a:ext uri="{FF2B5EF4-FFF2-40B4-BE49-F238E27FC236}">
-                <a16:creationId xmlns:a16="http://schemas.microsoft.com/office/drawing/2014/main" id="{6B419BE7-D64B-48A8-9C56-84B1CB6F6127}"/>
-              </a:ext>
-            </a:extLst>
-          </p:cNvPr>
-          <p:cNvSpPr txBox="1"/>
-          <p:nvPr/>
-        </p:nvSpPr>
-        <p:spPr>
-          <a:xfrm>
-            <a:off x="2038211" y="3665632"/>
-            <a:ext cx="1827742" cy="1477328"/>
-          </a:xfrm>
-          <a:prstGeom prst="rect">
-            <a:avLst/>
-          </a:prstGeom>
-          <a:noFill/>
-        </p:spPr>
-        <p:txBody>
-          <a:bodyPr wrap="square" rtlCol="0">
-            <a:spAutoFit/>
-          </a:bodyPr>
-          <a:lstStyle/>
-          <a:p>
-            <a:pPr algn="ctr"/>
-            <a:r>
-              <a:rPr lang="en-US" dirty="0"/>
-              <a:t>Press Microphone Button to end recording of response</a:t>
-            </a:r>
-          </a:p>
-        </p:txBody>
-      </p:sp>
-      <p:sp>
-        <p:nvSpPr>
-          <p:cNvPr id="24" name="TextBox 23">
-            <a:extLst>
-              <a:ext uri="{FF2B5EF4-FFF2-40B4-BE49-F238E27FC236}">
-                <a16:creationId xmlns:a16="http://schemas.microsoft.com/office/drawing/2014/main" id="{4E913E17-731D-4C10-8877-5AD2168BBCDA}"/>
-              </a:ext>
-            </a:extLst>
-          </p:cNvPr>
-          <p:cNvSpPr txBox="1"/>
-          <p:nvPr/>
-        </p:nvSpPr>
-        <p:spPr>
-          <a:xfrm>
-            <a:off x="3834457" y="5220653"/>
-            <a:ext cx="1564140" cy="1477328"/>
-          </a:xfrm>
-          <a:prstGeom prst="rect">
-            <a:avLst/>
-          </a:prstGeom>
-          <a:noFill/>
-        </p:spPr>
-        <p:txBody>
-          <a:bodyPr wrap="square" rtlCol="0">
-            <a:spAutoFit/>
-          </a:bodyPr>
-          <a:lstStyle/>
-          <a:p>
-            <a:pPr algn="ctr"/>
-            <a:r>
-              <a:rPr lang="en-US" dirty="0"/>
-              <a:t>Recording</a:t>
-            </a:r>
-          </a:p>
-          <a:p>
-            <a:pPr algn="ctr"/>
-            <a:r>
-              <a:rPr lang="en-US" dirty="0"/>
-              <a:t>Verified For Machine’s Understanding of Response?</a:t>
-            </a:r>
-          </a:p>
-        </p:txBody>
-      </p:sp>
-      <p:sp>
-        <p:nvSpPr>
-          <p:cNvPr id="25" name="TextBox 24">
-            <a:extLst>
-              <a:ext uri="{FF2B5EF4-FFF2-40B4-BE49-F238E27FC236}">
-                <a16:creationId xmlns:a16="http://schemas.microsoft.com/office/drawing/2014/main" id="{62DB6067-CC5F-4CAD-95D2-B6AB95C503C1}"/>
-              </a:ext>
-            </a:extLst>
-          </p:cNvPr>
-          <p:cNvSpPr txBox="1"/>
-          <p:nvPr/>
-        </p:nvSpPr>
-        <p:spPr>
-          <a:xfrm>
-            <a:off x="3283654" y="288362"/>
-            <a:ext cx="5374923" cy="369332"/>
-          </a:xfrm>
-          <a:prstGeom prst="rect">
-            <a:avLst/>
-          </a:prstGeom>
-          <a:noFill/>
-        </p:spPr>
-        <p:txBody>
-          <a:bodyPr wrap="square" rtlCol="0">
-            <a:spAutoFit/>
-          </a:bodyPr>
-          <a:lstStyle/>
-          <a:p>
-            <a:pPr algn="ctr"/>
-            <a:r>
-              <a:rPr lang="en-US" dirty="0"/>
-              <a:t>Diagram Textual Challenge Voice </a:t>
-            </a:r>
-            <a:r>
-              <a:rPr lang="en-US"/>
-              <a:t>Response Results</a:t>
-            </a:r>
-            <a:endParaRPr lang="en-US" dirty="0"/>
-          </a:p>
-        </p:txBody>
-      </p:sp>
-      <p:sp>
-        <p:nvSpPr>
-          <p:cNvPr id="16" name="TextBox 15">
-            <a:extLst>
-              <a:ext uri="{FF2B5EF4-FFF2-40B4-BE49-F238E27FC236}">
-                <a16:creationId xmlns:a16="http://schemas.microsoft.com/office/drawing/2014/main" id="{E87D1B41-3031-46AB-9EA4-5B2DBF465F00}"/>
-              </a:ext>
-            </a:extLst>
-          </p:cNvPr>
-          <p:cNvSpPr txBox="1"/>
-          <p:nvPr/>
-        </p:nvSpPr>
-        <p:spPr>
-          <a:xfrm>
-            <a:off x="1955414" y="2517422"/>
-            <a:ext cx="2054578" cy="923330"/>
-          </a:xfrm>
-          <a:prstGeom prst="rect">
-            <a:avLst/>
-          </a:prstGeom>
-          <a:noFill/>
-        </p:spPr>
-        <p:txBody>
-          <a:bodyPr wrap="square" rtlCol="0">
-            <a:spAutoFit/>
-          </a:bodyPr>
-          <a:lstStyle/>
-          <a:p>
-            <a:pPr algn="ctr"/>
-            <a:r>
-              <a:rPr lang="en-US" dirty="0"/>
-              <a:t>User speaks response into microphone</a:t>
-            </a:r>
-          </a:p>
-        </p:txBody>
-      </p:sp>
-      <p:sp>
-        <p:nvSpPr>
-          <p:cNvPr id="2" name="Arc 1">
-            <a:extLst>
-              <a:ext uri="{FF2B5EF4-FFF2-40B4-BE49-F238E27FC236}">
-                <a16:creationId xmlns:a16="http://schemas.microsoft.com/office/drawing/2014/main" id="{69595257-E9EF-4A86-AFE8-336227D5BE6C}"/>
-              </a:ext>
-            </a:extLst>
-          </p:cNvPr>
-          <p:cNvSpPr/>
-          <p:nvPr/>
-        </p:nvSpPr>
-        <p:spPr>
-          <a:xfrm>
-            <a:off x="1362819" y="956077"/>
-            <a:ext cx="3273778" cy="1833479"/>
-          </a:xfrm>
-          <a:prstGeom prst="arc">
-            <a:avLst>
-              <a:gd name="adj1" fmla="val 10787274"/>
-              <a:gd name="adj2" fmla="val 0"/>
-            </a:avLst>
-          </a:prstGeom>
-          <a:ln w="38100" cap="flat" cmpd="sng" algn="ctr">
-            <a:solidFill>
-              <a:schemeClr val="accent5"/>
-            </a:solidFill>
-            <a:prstDash val="solid"/>
-            <a:round/>
-            <a:headEnd type="arrow" w="med" len="med"/>
-            <a:tailEnd type="arrow" w="med" len="med"/>
-          </a:ln>
-        </p:spPr>
-        <p:style>
-          <a:lnRef idx="0">
-            <a:scrgbClr r="0" g="0" b="0"/>
-          </a:lnRef>
-          <a:fillRef idx="0">
-            <a:scrgbClr r="0" g="0" b="0"/>
-          </a:fillRef>
-          <a:effectRef idx="0">
-            <a:scrgbClr r="0" g="0" b="0"/>
-          </a:effectRef>
-          <a:fontRef idx="minor">
-            <a:schemeClr val="tx1"/>
-          </a:fontRef>
-        </p:style>
-        <p:txBody>
-          <a:bodyPr rtlCol="0" anchor="ctr"/>
-          <a:lstStyle/>
-          <a:p>
-            <a:pPr algn="ctr"/>
-            <a:endParaRPr lang="en-US"/>
-          </a:p>
-        </p:txBody>
-      </p:sp>
-      <p:sp>
-        <p:nvSpPr>
-          <p:cNvPr id="21" name="TextBox 20">
-            <a:extLst>
-              <a:ext uri="{FF2B5EF4-FFF2-40B4-BE49-F238E27FC236}">
-                <a16:creationId xmlns:a16="http://schemas.microsoft.com/office/drawing/2014/main" id="{38E1E5CD-F795-4FC5-B0DD-4B05B65A0F68}"/>
-              </a:ext>
-            </a:extLst>
-          </p:cNvPr>
-          <p:cNvSpPr txBox="1"/>
-          <p:nvPr/>
-        </p:nvSpPr>
-        <p:spPr>
-          <a:xfrm>
-            <a:off x="2008246" y="521627"/>
-            <a:ext cx="2054578" cy="369332"/>
-          </a:xfrm>
-          <a:prstGeom prst="rect">
-            <a:avLst/>
-          </a:prstGeom>
-          <a:noFill/>
-        </p:spPr>
-        <p:txBody>
-          <a:bodyPr wrap="square" rtlCol="0">
-            <a:spAutoFit/>
-          </a:bodyPr>
-          <a:lstStyle/>
-          <a:p>
-            <a:pPr algn="ctr"/>
-            <a:r>
-              <a:rPr lang="en-US" dirty="0"/>
-              <a:t>No</a:t>
-            </a:r>
-          </a:p>
-        </p:txBody>
-      </p:sp>
-      <p:sp>
-        <p:nvSpPr>
-          <p:cNvPr id="26" name="TextBox 25">
-            <a:extLst>
-              <a:ext uri="{FF2B5EF4-FFF2-40B4-BE49-F238E27FC236}">
-                <a16:creationId xmlns:a16="http://schemas.microsoft.com/office/drawing/2014/main" id="{36CE8D6D-DFD4-4A9F-9824-E29B28085F85}"/>
-              </a:ext>
-            </a:extLst>
-          </p:cNvPr>
-          <p:cNvSpPr txBox="1"/>
-          <p:nvPr/>
-        </p:nvSpPr>
-        <p:spPr>
-          <a:xfrm>
-            <a:off x="5188658" y="2929100"/>
-            <a:ext cx="2054578" cy="369332"/>
-          </a:xfrm>
-          <a:prstGeom prst="rect">
-            <a:avLst/>
-          </a:prstGeom>
-          <a:noFill/>
-        </p:spPr>
-        <p:txBody>
-          <a:bodyPr wrap="square" rtlCol="0">
-            <a:spAutoFit/>
-          </a:bodyPr>
-          <a:lstStyle/>
-          <a:p>
-            <a:pPr algn="ctr"/>
-            <a:r>
-              <a:rPr lang="en-US" dirty="0"/>
-              <a:t>Yes</a:t>
-            </a:r>
-          </a:p>
-        </p:txBody>
-      </p:sp>
-      <p:sp>
-        <p:nvSpPr>
-          <p:cNvPr id="27" name="TextBox 26">
-            <a:extLst>
-              <a:ext uri="{FF2B5EF4-FFF2-40B4-BE49-F238E27FC236}">
-                <a16:creationId xmlns:a16="http://schemas.microsoft.com/office/drawing/2014/main" id="{F379C75B-0C75-403F-81B1-9BB3C13BDFFD}"/>
-              </a:ext>
-            </a:extLst>
-          </p:cNvPr>
-          <p:cNvSpPr txBox="1"/>
-          <p:nvPr/>
-        </p:nvSpPr>
-        <p:spPr>
-          <a:xfrm>
-            <a:off x="6817706" y="5475607"/>
-            <a:ext cx="2054578" cy="923330"/>
-          </a:xfrm>
-          <a:prstGeom prst="rect">
-            <a:avLst/>
-          </a:prstGeom>
-          <a:noFill/>
-        </p:spPr>
-        <p:txBody>
-          <a:bodyPr wrap="square" rtlCol="0">
-            <a:spAutoFit/>
-          </a:bodyPr>
-          <a:lstStyle/>
-          <a:p>
-            <a:pPr algn="ctr"/>
-            <a:r>
-              <a:rPr lang="en-US" dirty="0"/>
-              <a:t>Press SUBMIT Button to receive results</a:t>
-            </a:r>
-          </a:p>
-        </p:txBody>
-      </p:sp>
+        </p:grpSpPr>
+        <p:pic>
+          <p:nvPicPr>
+            <p:cNvPr id="5" name="Picture 4" descr="A close up of a device&#10;&#10;Description automatically generated">
+              <a:extLst>
+                <a:ext uri="{FF2B5EF4-FFF2-40B4-BE49-F238E27FC236}">
+                  <a16:creationId xmlns:a16="http://schemas.microsoft.com/office/drawing/2014/main" id="{059E0D0A-3993-444E-9D3F-36CF430D2E94}"/>
+                </a:ext>
+              </a:extLst>
+            </p:cNvPr>
+            <p:cNvPicPr>
+              <a:picLocks noChangeAspect="1"/>
+            </p:cNvPicPr>
+            <p:nvPr/>
+          </p:nvPicPr>
+          <p:blipFill>
+            <a:blip r:embed="rId2">
+              <a:extLst>
+                <a:ext uri="{28A0092B-C50C-407E-A947-70E740481C1C}">
+                  <a14:useLocalDpi xmlns:a14="http://schemas.microsoft.com/office/drawing/2010/main" val="0"/>
+                </a:ext>
+              </a:extLst>
+            </a:blip>
+            <a:stretch>
+              <a:fillRect/>
+            </a:stretch>
+          </p:blipFill>
+          <p:spPr>
+            <a:xfrm>
+              <a:off x="398418" y="2011935"/>
+              <a:ext cx="1772152" cy="3165289"/>
+            </a:xfrm>
+            <a:prstGeom prst="rect">
+              <a:avLst/>
+            </a:prstGeom>
+          </p:spPr>
+        </p:pic>
+        <p:pic>
+          <p:nvPicPr>
+            <p:cNvPr id="7" name="Picture 6" descr="A close up of a device&#10;&#10;Description automatically generated">
+              <a:extLst>
+                <a:ext uri="{FF2B5EF4-FFF2-40B4-BE49-F238E27FC236}">
+                  <a16:creationId xmlns:a16="http://schemas.microsoft.com/office/drawing/2014/main" id="{DA14938B-5ED7-463E-9C43-BEBE99B29A21}"/>
+                </a:ext>
+              </a:extLst>
+            </p:cNvPr>
+            <p:cNvPicPr>
+              <a:picLocks noChangeAspect="1"/>
+            </p:cNvPicPr>
+            <p:nvPr/>
+          </p:nvPicPr>
+          <p:blipFill>
+            <a:blip r:embed="rId3">
+              <a:extLst>
+                <a:ext uri="{28A0092B-C50C-407E-A947-70E740481C1C}">
+                  <a14:useLocalDpi xmlns:a14="http://schemas.microsoft.com/office/drawing/2010/main" val="0"/>
+                </a:ext>
+              </a:extLst>
+            </a:blip>
+            <a:stretch>
+              <a:fillRect/>
+            </a:stretch>
+          </p:blipFill>
+          <p:spPr>
+            <a:xfrm>
+              <a:off x="3771476" y="2011935"/>
+              <a:ext cx="1772152" cy="3165289"/>
+            </a:xfrm>
+            <a:prstGeom prst="rect">
+              <a:avLst/>
+            </a:prstGeom>
+          </p:spPr>
+        </p:pic>
+        <p:pic>
+          <p:nvPicPr>
+            <p:cNvPr id="9" name="Picture 8" descr="A screenshot of a cell phone&#10;&#10;Description automatically generated">
+              <a:extLst>
+                <a:ext uri="{FF2B5EF4-FFF2-40B4-BE49-F238E27FC236}">
+                  <a16:creationId xmlns:a16="http://schemas.microsoft.com/office/drawing/2014/main" id="{4FD37FEC-9939-4161-B4C0-84A476573D14}"/>
+                </a:ext>
+              </a:extLst>
+            </p:cNvPr>
+            <p:cNvPicPr>
+              <a:picLocks noChangeAspect="1"/>
+            </p:cNvPicPr>
+            <p:nvPr/>
+          </p:nvPicPr>
+          <p:blipFill>
+            <a:blip r:embed="rId4">
+              <a:extLst>
+                <a:ext uri="{28A0092B-C50C-407E-A947-70E740481C1C}">
+                  <a14:useLocalDpi xmlns:a14="http://schemas.microsoft.com/office/drawing/2010/main" val="0"/>
+                </a:ext>
+              </a:extLst>
+            </a:blip>
+            <a:stretch>
+              <a:fillRect/>
+            </a:stretch>
+          </p:blipFill>
+          <p:spPr>
+            <a:xfrm>
+              <a:off x="7003343" y="1938026"/>
+              <a:ext cx="1772152" cy="3165289"/>
+            </a:xfrm>
+            <a:prstGeom prst="rect">
+              <a:avLst/>
+            </a:prstGeom>
+          </p:spPr>
+        </p:pic>
+        <p:pic>
+          <p:nvPicPr>
+            <p:cNvPr id="11" name="Picture 10" descr="A screenshot of a cell phone&#10;&#10;Description automatically generated">
+              <a:extLst>
+                <a:ext uri="{FF2B5EF4-FFF2-40B4-BE49-F238E27FC236}">
+                  <a16:creationId xmlns:a16="http://schemas.microsoft.com/office/drawing/2014/main" id="{B6C7F843-815C-4E58-8FC6-7CA023CAA7E8}"/>
+                </a:ext>
+              </a:extLst>
+            </p:cNvPr>
+            <p:cNvPicPr>
+              <a:picLocks noChangeAspect="1"/>
+            </p:cNvPicPr>
+            <p:nvPr/>
+          </p:nvPicPr>
+          <p:blipFill>
+            <a:blip r:embed="rId5">
+              <a:extLst>
+                <a:ext uri="{28A0092B-C50C-407E-A947-70E740481C1C}">
+                  <a14:useLocalDpi xmlns:a14="http://schemas.microsoft.com/office/drawing/2010/main" val="0"/>
+                </a:ext>
+              </a:extLst>
+            </a:blip>
+            <a:stretch>
+              <a:fillRect/>
+            </a:stretch>
+          </p:blipFill>
+          <p:spPr>
+            <a:xfrm>
+              <a:off x="9990667" y="160019"/>
+              <a:ext cx="1772152" cy="3165289"/>
+            </a:xfrm>
+            <a:prstGeom prst="rect">
+              <a:avLst/>
+            </a:prstGeom>
+          </p:spPr>
+        </p:pic>
+        <p:pic>
+          <p:nvPicPr>
+            <p:cNvPr id="13" name="Picture 12" descr="A screenshot of a cell phone&#10;&#10;Description automatically generated">
+              <a:extLst>
+                <a:ext uri="{FF2B5EF4-FFF2-40B4-BE49-F238E27FC236}">
+                  <a16:creationId xmlns:a16="http://schemas.microsoft.com/office/drawing/2014/main" id="{C86ECB86-3542-43AB-8499-4E0601220BE1}"/>
+                </a:ext>
+              </a:extLst>
+            </p:cNvPr>
+            <p:cNvPicPr>
+              <a:picLocks noChangeAspect="1"/>
+            </p:cNvPicPr>
+            <p:nvPr/>
+          </p:nvPicPr>
+          <p:blipFill>
+            <a:blip r:embed="rId6">
+              <a:extLst>
+                <a:ext uri="{28A0092B-C50C-407E-A947-70E740481C1C}">
+                  <a14:useLocalDpi xmlns:a14="http://schemas.microsoft.com/office/drawing/2010/main" val="0"/>
+                </a:ext>
+              </a:extLst>
+            </a:blip>
+            <a:stretch>
+              <a:fillRect/>
+            </a:stretch>
+          </p:blipFill>
+          <p:spPr>
+            <a:xfrm>
+              <a:off x="9990667" y="3532692"/>
+              <a:ext cx="1772152" cy="3165289"/>
+            </a:xfrm>
+            <a:prstGeom prst="rect">
+              <a:avLst/>
+            </a:prstGeom>
+          </p:spPr>
+        </p:pic>
+        <p:cxnSp>
+          <p:nvCxnSpPr>
+            <p:cNvPr id="15" name="Straight Arrow Connector 14">
+              <a:extLst>
+                <a:ext uri="{FF2B5EF4-FFF2-40B4-BE49-F238E27FC236}">
+                  <a16:creationId xmlns:a16="http://schemas.microsoft.com/office/drawing/2014/main" id="{F375FEB4-F4AA-4A21-A0CF-73D87C31FEC7}"/>
+                </a:ext>
+              </a:extLst>
+            </p:cNvPr>
+            <p:cNvCxnSpPr>
+              <a:cxnSpLocks/>
+            </p:cNvCxnSpPr>
+            <p:nvPr/>
+          </p:nvCxnSpPr>
+          <p:spPr>
+            <a:xfrm>
+              <a:off x="2370667" y="3594579"/>
+              <a:ext cx="1185333" cy="0"/>
+            </a:xfrm>
+            <a:prstGeom prst="straightConnector1">
+              <a:avLst/>
+            </a:prstGeom>
+            <a:ln w="38100">
+              <a:tailEnd type="triangle"/>
+            </a:ln>
+          </p:spPr>
+          <p:style>
+            <a:lnRef idx="1">
+              <a:schemeClr val="accent1"/>
+            </a:lnRef>
+            <a:fillRef idx="0">
+              <a:schemeClr val="accent1"/>
+            </a:fillRef>
+            <a:effectRef idx="0">
+              <a:schemeClr val="accent1"/>
+            </a:effectRef>
+            <a:fontRef idx="minor">
+              <a:schemeClr val="tx1"/>
+            </a:fontRef>
+          </p:style>
+        </p:cxnSp>
+        <p:cxnSp>
+          <p:nvCxnSpPr>
+            <p:cNvPr id="17" name="Straight Arrow Connector 16">
+              <a:extLst>
+                <a:ext uri="{FF2B5EF4-FFF2-40B4-BE49-F238E27FC236}">
+                  <a16:creationId xmlns:a16="http://schemas.microsoft.com/office/drawing/2014/main" id="{BE610920-3EA5-415F-8584-1C61ED17D2CB}"/>
+                </a:ext>
+              </a:extLst>
+            </p:cNvPr>
+            <p:cNvCxnSpPr>
+              <a:cxnSpLocks/>
+            </p:cNvCxnSpPr>
+            <p:nvPr/>
+          </p:nvCxnSpPr>
+          <p:spPr>
+            <a:xfrm>
+              <a:off x="5682543" y="3520670"/>
+              <a:ext cx="1185333" cy="0"/>
+            </a:xfrm>
+            <a:prstGeom prst="straightConnector1">
+              <a:avLst/>
+            </a:prstGeom>
+            <a:ln w="38100">
+              <a:tailEnd type="triangle"/>
+            </a:ln>
+          </p:spPr>
+          <p:style>
+            <a:lnRef idx="1">
+              <a:schemeClr val="accent1"/>
+            </a:lnRef>
+            <a:fillRef idx="0">
+              <a:schemeClr val="accent1"/>
+            </a:fillRef>
+            <a:effectRef idx="0">
+              <a:schemeClr val="accent1"/>
+            </a:effectRef>
+            <a:fontRef idx="minor">
+              <a:schemeClr val="tx1"/>
+            </a:fontRef>
+          </p:style>
+        </p:cxnSp>
+        <p:cxnSp>
+          <p:nvCxnSpPr>
+            <p:cNvPr id="18" name="Straight Arrow Connector 17">
+              <a:extLst>
+                <a:ext uri="{FF2B5EF4-FFF2-40B4-BE49-F238E27FC236}">
+                  <a16:creationId xmlns:a16="http://schemas.microsoft.com/office/drawing/2014/main" id="{D73E2C6F-9BE7-43C9-9C3E-5CCD45D164A0}"/>
+                </a:ext>
+              </a:extLst>
+            </p:cNvPr>
+            <p:cNvCxnSpPr>
+              <a:cxnSpLocks/>
+            </p:cNvCxnSpPr>
+            <p:nvPr/>
+          </p:nvCxnSpPr>
+          <p:spPr>
+            <a:xfrm flipV="1">
+              <a:off x="8820854" y="2517422"/>
+              <a:ext cx="989190" cy="823356"/>
+            </a:xfrm>
+            <a:prstGeom prst="straightConnector1">
+              <a:avLst/>
+            </a:prstGeom>
+            <a:ln w="38100">
+              <a:tailEnd type="triangle"/>
+            </a:ln>
+          </p:spPr>
+          <p:style>
+            <a:lnRef idx="1">
+              <a:schemeClr val="accent1"/>
+            </a:lnRef>
+            <a:fillRef idx="0">
+              <a:schemeClr val="accent1"/>
+            </a:fillRef>
+            <a:effectRef idx="0">
+              <a:schemeClr val="accent1"/>
+            </a:effectRef>
+            <a:fontRef idx="minor">
+              <a:schemeClr val="tx1"/>
+            </a:fontRef>
+          </p:style>
+        </p:cxnSp>
+        <p:cxnSp>
+          <p:nvCxnSpPr>
+            <p:cNvPr id="19" name="Straight Arrow Connector 18">
+              <a:extLst>
+                <a:ext uri="{FF2B5EF4-FFF2-40B4-BE49-F238E27FC236}">
+                  <a16:creationId xmlns:a16="http://schemas.microsoft.com/office/drawing/2014/main" id="{20E21044-5644-4AC0-A960-FCE8854B314F}"/>
+                </a:ext>
+              </a:extLst>
+            </p:cNvPr>
+            <p:cNvCxnSpPr>
+              <a:cxnSpLocks/>
+            </p:cNvCxnSpPr>
+            <p:nvPr/>
+          </p:nvCxnSpPr>
+          <p:spPr>
+            <a:xfrm>
+              <a:off x="8805334" y="3594579"/>
+              <a:ext cx="1004710" cy="774221"/>
+            </a:xfrm>
+            <a:prstGeom prst="straightConnector1">
+              <a:avLst/>
+            </a:prstGeom>
+            <a:ln w="38100">
+              <a:tailEnd type="triangle"/>
+            </a:ln>
+          </p:spPr>
+          <p:style>
+            <a:lnRef idx="1">
+              <a:schemeClr val="accent1"/>
+            </a:lnRef>
+            <a:fillRef idx="0">
+              <a:schemeClr val="accent1"/>
+            </a:fillRef>
+            <a:effectRef idx="0">
+              <a:schemeClr val="accent1"/>
+            </a:effectRef>
+            <a:fontRef idx="minor">
+              <a:schemeClr val="tx1"/>
+            </a:fontRef>
+          </p:style>
+        </p:cxnSp>
+        <p:sp>
+          <p:nvSpPr>
+            <p:cNvPr id="22" name="TextBox 21">
+              <a:extLst>
+                <a:ext uri="{FF2B5EF4-FFF2-40B4-BE49-F238E27FC236}">
+                  <a16:creationId xmlns:a16="http://schemas.microsoft.com/office/drawing/2014/main" id="{9EA80762-DC19-40DC-8441-953B7425C264}"/>
+                </a:ext>
+              </a:extLst>
+            </p:cNvPr>
+            <p:cNvSpPr txBox="1"/>
+            <p:nvPr/>
+          </p:nvSpPr>
+          <p:spPr>
+            <a:xfrm>
+              <a:off x="316089" y="5475607"/>
+              <a:ext cx="2054578" cy="923330"/>
+            </a:xfrm>
+            <a:prstGeom prst="rect">
+              <a:avLst/>
+            </a:prstGeom>
+            <a:noFill/>
+          </p:spPr>
+          <p:txBody>
+            <a:bodyPr wrap="square" rtlCol="0">
+              <a:spAutoFit/>
+            </a:bodyPr>
+            <a:lstStyle/>
+            <a:p>
+              <a:pPr algn="ctr"/>
+              <a:r>
+                <a:rPr lang="en-US" dirty="0"/>
+                <a:t>Press Microphone Button to begin recording response</a:t>
+              </a:r>
+            </a:p>
+          </p:txBody>
+        </p:sp>
+        <p:sp>
+          <p:nvSpPr>
+            <p:cNvPr id="23" name="TextBox 22">
+              <a:extLst>
+                <a:ext uri="{FF2B5EF4-FFF2-40B4-BE49-F238E27FC236}">
+                  <a16:creationId xmlns:a16="http://schemas.microsoft.com/office/drawing/2014/main" id="{6B419BE7-D64B-48A8-9C56-84B1CB6F6127}"/>
+                </a:ext>
+              </a:extLst>
+            </p:cNvPr>
+            <p:cNvSpPr txBox="1"/>
+            <p:nvPr/>
+          </p:nvSpPr>
+          <p:spPr>
+            <a:xfrm>
+              <a:off x="2038211" y="3665632"/>
+              <a:ext cx="1827742" cy="1477328"/>
+            </a:xfrm>
+            <a:prstGeom prst="rect">
+              <a:avLst/>
+            </a:prstGeom>
+            <a:noFill/>
+          </p:spPr>
+          <p:txBody>
+            <a:bodyPr wrap="square" rtlCol="0">
+              <a:spAutoFit/>
+            </a:bodyPr>
+            <a:lstStyle/>
+            <a:p>
+              <a:pPr algn="ctr"/>
+              <a:r>
+                <a:rPr lang="en-US" dirty="0"/>
+                <a:t>Press Microphone Button to end recording of response</a:t>
+              </a:r>
+            </a:p>
+          </p:txBody>
+        </p:sp>
+        <p:sp>
+          <p:nvSpPr>
+            <p:cNvPr id="24" name="TextBox 23">
+              <a:extLst>
+                <a:ext uri="{FF2B5EF4-FFF2-40B4-BE49-F238E27FC236}">
+                  <a16:creationId xmlns:a16="http://schemas.microsoft.com/office/drawing/2014/main" id="{4E913E17-731D-4C10-8877-5AD2168BBCDA}"/>
+                </a:ext>
+              </a:extLst>
+            </p:cNvPr>
+            <p:cNvSpPr txBox="1"/>
+            <p:nvPr/>
+          </p:nvSpPr>
+          <p:spPr>
+            <a:xfrm>
+              <a:off x="3834457" y="5220653"/>
+              <a:ext cx="1564140" cy="1477328"/>
+            </a:xfrm>
+            <a:prstGeom prst="rect">
+              <a:avLst/>
+            </a:prstGeom>
+            <a:noFill/>
+          </p:spPr>
+          <p:txBody>
+            <a:bodyPr wrap="square" rtlCol="0">
+              <a:spAutoFit/>
+            </a:bodyPr>
+            <a:lstStyle/>
+            <a:p>
+              <a:pPr algn="ctr"/>
+              <a:r>
+                <a:rPr lang="en-US" dirty="0"/>
+                <a:t>Recording</a:t>
+              </a:r>
+            </a:p>
+            <a:p>
+              <a:pPr algn="ctr"/>
+              <a:r>
+                <a:rPr lang="en-US" dirty="0"/>
+                <a:t>Verified For Machine’s Understanding of Response?</a:t>
+              </a:r>
+            </a:p>
+          </p:txBody>
+        </p:sp>
+        <p:sp>
+          <p:nvSpPr>
+            <p:cNvPr id="16" name="TextBox 15">
+              <a:extLst>
+                <a:ext uri="{FF2B5EF4-FFF2-40B4-BE49-F238E27FC236}">
+                  <a16:creationId xmlns:a16="http://schemas.microsoft.com/office/drawing/2014/main" id="{E87D1B41-3031-46AB-9EA4-5B2DBF465F00}"/>
+                </a:ext>
+              </a:extLst>
+            </p:cNvPr>
+            <p:cNvSpPr txBox="1"/>
+            <p:nvPr/>
+          </p:nvSpPr>
+          <p:spPr>
+            <a:xfrm>
+              <a:off x="1955414" y="2517422"/>
+              <a:ext cx="2054578" cy="923330"/>
+            </a:xfrm>
+            <a:prstGeom prst="rect">
+              <a:avLst/>
+            </a:prstGeom>
+            <a:noFill/>
+          </p:spPr>
+          <p:txBody>
+            <a:bodyPr wrap="square" rtlCol="0">
+              <a:spAutoFit/>
+            </a:bodyPr>
+            <a:lstStyle/>
+            <a:p>
+              <a:pPr algn="ctr"/>
+              <a:r>
+                <a:rPr lang="en-US" dirty="0"/>
+                <a:t>User speaks response into microphone</a:t>
+              </a:r>
+            </a:p>
+          </p:txBody>
+        </p:sp>
+        <p:sp>
+          <p:nvSpPr>
+            <p:cNvPr id="2" name="Arc 1">
+              <a:extLst>
+                <a:ext uri="{FF2B5EF4-FFF2-40B4-BE49-F238E27FC236}">
+                  <a16:creationId xmlns:a16="http://schemas.microsoft.com/office/drawing/2014/main" id="{69595257-E9EF-4A86-AFE8-336227D5BE6C}"/>
+                </a:ext>
+              </a:extLst>
+            </p:cNvPr>
+            <p:cNvSpPr/>
+            <p:nvPr/>
+          </p:nvSpPr>
+          <p:spPr>
+            <a:xfrm>
+              <a:off x="1362819" y="956077"/>
+              <a:ext cx="3273778" cy="1833479"/>
+            </a:xfrm>
+            <a:prstGeom prst="arc">
+              <a:avLst>
+                <a:gd name="adj1" fmla="val 10787274"/>
+                <a:gd name="adj2" fmla="val 0"/>
+              </a:avLst>
+            </a:prstGeom>
+            <a:ln w="38100" cap="flat" cmpd="sng" algn="ctr">
+              <a:solidFill>
+                <a:schemeClr val="accent5"/>
+              </a:solidFill>
+              <a:prstDash val="solid"/>
+              <a:round/>
+              <a:headEnd type="arrow" w="med" len="med"/>
+              <a:tailEnd type="arrow" w="med" len="med"/>
+            </a:ln>
+          </p:spPr>
+          <p:style>
+            <a:lnRef idx="0">
+              <a:scrgbClr r="0" g="0" b="0"/>
+            </a:lnRef>
+            <a:fillRef idx="0">
+              <a:scrgbClr r="0" g="0" b="0"/>
+            </a:fillRef>
+            <a:effectRef idx="0">
+              <a:scrgbClr r="0" g="0" b="0"/>
+            </a:effectRef>
+            <a:fontRef idx="minor">
+              <a:schemeClr val="tx1"/>
+            </a:fontRef>
+          </p:style>
+          <p:txBody>
+            <a:bodyPr rtlCol="0" anchor="ctr"/>
+            <a:lstStyle/>
+            <a:p>
+              <a:pPr algn="ctr"/>
+              <a:endParaRPr lang="en-US"/>
+            </a:p>
+          </p:txBody>
+        </p:sp>
+        <p:sp>
+          <p:nvSpPr>
+            <p:cNvPr id="21" name="TextBox 20">
+              <a:extLst>
+                <a:ext uri="{FF2B5EF4-FFF2-40B4-BE49-F238E27FC236}">
+                  <a16:creationId xmlns:a16="http://schemas.microsoft.com/office/drawing/2014/main" id="{38E1E5CD-F795-4FC5-B0DD-4B05B65A0F68}"/>
+                </a:ext>
+              </a:extLst>
+            </p:cNvPr>
+            <p:cNvSpPr txBox="1"/>
+            <p:nvPr/>
+          </p:nvSpPr>
+          <p:spPr>
+            <a:xfrm>
+              <a:off x="2008246" y="521627"/>
+              <a:ext cx="2054578" cy="369332"/>
+            </a:xfrm>
+            <a:prstGeom prst="rect">
+              <a:avLst/>
+            </a:prstGeom>
+            <a:noFill/>
+          </p:spPr>
+          <p:txBody>
+            <a:bodyPr wrap="square" rtlCol="0">
+              <a:spAutoFit/>
+            </a:bodyPr>
+            <a:lstStyle/>
+            <a:p>
+              <a:pPr algn="ctr"/>
+              <a:r>
+                <a:rPr lang="en-US" dirty="0"/>
+                <a:t>No</a:t>
+              </a:r>
+            </a:p>
+          </p:txBody>
+        </p:sp>
+        <p:sp>
+          <p:nvSpPr>
+            <p:cNvPr id="26" name="TextBox 25">
+              <a:extLst>
+                <a:ext uri="{FF2B5EF4-FFF2-40B4-BE49-F238E27FC236}">
+                  <a16:creationId xmlns:a16="http://schemas.microsoft.com/office/drawing/2014/main" id="{36CE8D6D-DFD4-4A9F-9824-E29B28085F85}"/>
+                </a:ext>
+              </a:extLst>
+            </p:cNvPr>
+            <p:cNvSpPr txBox="1"/>
+            <p:nvPr/>
+          </p:nvSpPr>
+          <p:spPr>
+            <a:xfrm>
+              <a:off x="5188658" y="2929100"/>
+              <a:ext cx="2054578" cy="369332"/>
+            </a:xfrm>
+            <a:prstGeom prst="rect">
+              <a:avLst/>
+            </a:prstGeom>
+            <a:noFill/>
+          </p:spPr>
+          <p:txBody>
+            <a:bodyPr wrap="square" rtlCol="0">
+              <a:spAutoFit/>
+            </a:bodyPr>
+            <a:lstStyle/>
+            <a:p>
+              <a:pPr algn="ctr"/>
+              <a:r>
+                <a:rPr lang="en-US" dirty="0"/>
+                <a:t>Yes</a:t>
+              </a:r>
+            </a:p>
+          </p:txBody>
+        </p:sp>
+        <p:sp>
+          <p:nvSpPr>
+            <p:cNvPr id="27" name="TextBox 26">
+              <a:extLst>
+                <a:ext uri="{FF2B5EF4-FFF2-40B4-BE49-F238E27FC236}">
+                  <a16:creationId xmlns:a16="http://schemas.microsoft.com/office/drawing/2014/main" id="{F379C75B-0C75-403F-81B1-9BB3C13BDFFD}"/>
+                </a:ext>
+              </a:extLst>
+            </p:cNvPr>
+            <p:cNvSpPr txBox="1"/>
+            <p:nvPr/>
+          </p:nvSpPr>
+          <p:spPr>
+            <a:xfrm>
+              <a:off x="6817706" y="5475607"/>
+              <a:ext cx="2054578" cy="923330"/>
+            </a:xfrm>
+            <a:prstGeom prst="rect">
+              <a:avLst/>
+            </a:prstGeom>
+            <a:noFill/>
+          </p:spPr>
+          <p:txBody>
+            <a:bodyPr wrap="square" rtlCol="0">
+              <a:spAutoFit/>
+            </a:bodyPr>
+            <a:lstStyle/>
+            <a:p>
+              <a:pPr algn="ctr"/>
+              <a:r>
+                <a:rPr lang="en-US" dirty="0"/>
+                <a:t>Press SUBMIT Button to receive results</a:t>
+              </a:r>
+            </a:p>
+          </p:txBody>
+        </p:sp>
+      </p:grpSp>
     </p:spTree>
     <p:extLst>
       <p:ext uri="{BB962C8B-B14F-4D97-AF65-F5344CB8AC3E}">
